--- a/Slides/GPPB Closing slides.pptx
+++ b/Slides/GPPB Closing slides.pptx
@@ -5,14 +5,15 @@
     <p:sldMasterId id="2147483648" r:id="rId4"/>
   </p:sldMasterIdLst>
   <p:notesMasterIdLst>
-    <p:notesMasterId r:id="rId10"/>
+    <p:notesMasterId r:id="rId11"/>
   </p:notesMasterIdLst>
   <p:sldIdLst>
     <p:sldId id="279" r:id="rId5"/>
-    <p:sldId id="290" r:id="rId6"/>
-    <p:sldId id="285" r:id="rId7"/>
-    <p:sldId id="289" r:id="rId8"/>
-    <p:sldId id="271" r:id="rId9"/>
+    <p:sldId id="291" r:id="rId6"/>
+    <p:sldId id="290" r:id="rId7"/>
+    <p:sldId id="285" r:id="rId8"/>
+    <p:sldId id="289" r:id="rId9"/>
+    <p:sldId id="271" r:id="rId10"/>
   </p:sldIdLst>
   <p:sldSz cx="12192000" cy="6858000"/>
   <p:notesSz cx="6858000" cy="9144000"/>
@@ -533,7 +534,7 @@
           <a:p>
             <a:fld id="{F2F038A7-6744-4992-B939-454D2EA5470D}" type="slidenum">
               <a:rPr lang="en-US" smtClean="0"/>
-              <a:t>3</a:t>
+              <a:t>4</a:t>
             </a:fld>
             <a:endParaRPr lang="en-US"/>
           </a:p>
@@ -620,7 +621,7 @@
           <a:p>
             <a:fld id="{F2F038A7-6744-4992-B939-454D2EA5470D}" type="slidenum">
               <a:rPr lang="en-US" smtClean="0"/>
-              <a:t>4</a:t>
+              <a:t>5</a:t>
             </a:fld>
             <a:endParaRPr lang="en-US"/>
           </a:p>
@@ -6692,186 +6693,322 @@
           <a:chExt cx="0" cy="0"/>
         </a:xfrm>
       </p:grpSpPr>
-      <p:sp>
-        <p:nvSpPr>
-          <p:cNvPr id="2" name="Title 1">
-            <a:extLst>
-              <a:ext uri="{FF2B5EF4-FFF2-40B4-BE49-F238E27FC236}">
-                <a16:creationId xmlns:a16="http://schemas.microsoft.com/office/drawing/2014/main" id="{D59A0DF1-EE6F-4BC2-B54E-1A3A66E7FFA7}"/>
-              </a:ext>
-            </a:extLst>
-          </p:cNvPr>
-          <p:cNvSpPr>
-            <a:spLocks noGrp="1"/>
-          </p:cNvSpPr>
-          <p:nvPr>
-            <p:ph type="title"/>
-          </p:nvPr>
-        </p:nvSpPr>
-        <p:spPr>
-          <a:xfrm>
-            <a:off x="838200" y="46149"/>
-            <a:ext cx="10515600" cy="1030042"/>
-          </a:xfrm>
-        </p:spPr>
-        <p:txBody>
-          <a:bodyPr/>
-          <a:lstStyle/>
-          <a:p>
-            <a:r>
-              <a:rPr lang="en-NZ" dirty="0"/>
-              <a:t>Extra Material</a:t>
-            </a:r>
-            <a:endParaRPr lang="en-US" dirty="0"/>
-          </a:p>
-        </p:txBody>
-      </p:sp>
-      <p:sp>
-        <p:nvSpPr>
-          <p:cNvPr id="3" name="Content Placeholder 2">
-            <a:extLst>
-              <a:ext uri="{FF2B5EF4-FFF2-40B4-BE49-F238E27FC236}">
-                <a16:creationId xmlns:a16="http://schemas.microsoft.com/office/drawing/2014/main" id="{27F6E935-135A-40DD-9E41-E27264761937}"/>
-              </a:ext>
-            </a:extLst>
-          </p:cNvPr>
-          <p:cNvSpPr>
-            <a:spLocks noGrp="1"/>
-          </p:cNvSpPr>
-          <p:nvPr>
-            <p:ph idx="1"/>
-          </p:nvPr>
-        </p:nvSpPr>
-        <p:spPr>
-          <a:xfrm>
-            <a:off x="838200" y="1076191"/>
-            <a:ext cx="10515600" cy="5032374"/>
-          </a:xfrm>
-        </p:spPr>
-        <p:txBody>
-          <a:bodyPr>
-            <a:normAutofit/>
-          </a:bodyPr>
-          <a:lstStyle/>
-          <a:p>
-            <a:pPr marL="0" indent="0">
-              <a:buNone/>
-            </a:pPr>
-            <a:r>
-              <a:rPr lang="en-US" sz="2400" b="1" dirty="0">
-                <a:latin typeface="+mj-lt"/>
-              </a:rPr>
-              <a:t>Slides</a:t>
-            </a:r>
-          </a:p>
-          <a:p>
-            <a:pPr marL="0" indent="0">
-              <a:buNone/>
-            </a:pPr>
-            <a:r>
-              <a:rPr lang="en-US" sz="2400" dirty="0">
-                <a:hlinkClick r:id="rId2"/>
-              </a:rPr>
-              <a:t>https://github.com/ramimounla/GlobalPowerPlatformBootcamp</a:t>
-            </a:r>
-            <a:endParaRPr lang="en-US" sz="2400" dirty="0"/>
-          </a:p>
-          <a:p>
-            <a:pPr marL="0" indent="0">
-              <a:buNone/>
-            </a:pPr>
-            <a:endParaRPr lang="en-US" sz="2400" dirty="0"/>
-          </a:p>
-          <a:p>
-            <a:pPr marL="0" indent="0">
-              <a:buNone/>
-            </a:pPr>
-            <a:r>
-              <a:rPr lang="en-US" sz="2400" b="1" dirty="0">
-                <a:latin typeface="+mj-lt"/>
-              </a:rPr>
-              <a:t>Flow in a day</a:t>
-            </a:r>
-          </a:p>
-          <a:p>
-            <a:pPr marL="0" indent="0">
-              <a:buNone/>
-            </a:pPr>
-            <a:r>
-              <a:rPr lang="en-US" sz="2400" dirty="0">
-                <a:hlinkClick r:id="rId3"/>
-              </a:rPr>
-              <a:t>https://github.com/Power-Automate-in-a-day/Basic-Training</a:t>
-            </a:r>
-            <a:endParaRPr lang="en-US" sz="2400" dirty="0"/>
-          </a:p>
-          <a:p>
-            <a:pPr marL="0" indent="0">
-              <a:buNone/>
-            </a:pPr>
-            <a:br>
-              <a:rPr lang="en-US" sz="2400" dirty="0"/>
-            </a:br>
-            <a:r>
-              <a:rPr lang="en-US" sz="2400" b="1" dirty="0">
-                <a:latin typeface="+mj-lt"/>
-              </a:rPr>
-              <a:t>App in a Day</a:t>
-            </a:r>
-          </a:p>
-          <a:p>
-            <a:pPr marL="0" indent="0">
-              <a:buNone/>
-            </a:pPr>
-            <a:r>
-              <a:rPr lang="en-US" sz="2400" dirty="0">
-                <a:hlinkClick r:id="rId4"/>
-              </a:rPr>
-              <a:t>http://aka.ms/appinaday</a:t>
-            </a:r>
-            <a:r>
-              <a:rPr lang="en-US" sz="2400" dirty="0"/>
-              <a:t>  </a:t>
-            </a:r>
-          </a:p>
-          <a:p>
-            <a:pPr marL="0" indent="0">
-              <a:buNone/>
-            </a:pPr>
-            <a:br>
-              <a:rPr lang="en-US" sz="2400" dirty="0"/>
-            </a:br>
-            <a:r>
-              <a:rPr lang="en-US" sz="2400" b="1" dirty="0">
-                <a:latin typeface="+mj-lt"/>
-              </a:rPr>
-              <a:t>Dashboard in a Day</a:t>
-            </a:r>
-          </a:p>
-          <a:p>
-            <a:pPr marL="0" indent="0">
-              <a:buNone/>
-            </a:pPr>
-            <a:r>
-              <a:rPr lang="en-US" sz="2400" dirty="0">
-                <a:hlinkClick r:id="rId5"/>
-              </a:rPr>
-              <a:t>http://aka.ms/diad</a:t>
-            </a:r>
-            <a:endParaRPr lang="en-US" sz="2400" dirty="0"/>
-          </a:p>
-        </p:txBody>
-      </p:sp>
+      <p:pic>
+        <p:nvPicPr>
+          <p:cNvPr id="1026" name="Picture 2" descr="a close up of a projector screen">
+            <a:extLst>
+              <a:ext uri="{FF2B5EF4-FFF2-40B4-BE49-F238E27FC236}">
+                <a16:creationId xmlns:a16="http://schemas.microsoft.com/office/drawing/2014/main" id="{50132FDA-B586-4C82-891B-D23D33D42BC5}"/>
+              </a:ext>
+            </a:extLst>
+          </p:cNvPr>
+          <p:cNvPicPr>
+            <a:picLocks noChangeAspect="1" noChangeArrowheads="1"/>
+          </p:cNvPicPr>
+          <p:nvPr/>
+        </p:nvPicPr>
+        <p:blipFill>
+          <a:blip r:embed="rId2">
+            <a:extLst>
+              <a:ext uri="{28A0092B-C50C-407E-A947-70E740481C1C}">
+                <a14:useLocalDpi xmlns:a14="http://schemas.microsoft.com/office/drawing/2010/main" val="0"/>
+              </a:ext>
+            </a:extLst>
+          </a:blip>
+          <a:srcRect/>
+          <a:stretch>
+            <a:fillRect/>
+          </a:stretch>
+        </p:blipFill>
+        <p:spPr bwMode="auto">
+          <a:xfrm>
+            <a:off x="296495" y="308889"/>
+            <a:ext cx="4866843" cy="3646967"/>
+          </a:xfrm>
+          <a:prstGeom prst="rect">
+            <a:avLst/>
+          </a:prstGeom>
+          <a:noFill/>
+          <a:extLst>
+            <a:ext uri="{909E8E84-426E-40DD-AFC4-6F175D3DCCD1}">
+              <a14:hiddenFill xmlns:a14="http://schemas.microsoft.com/office/drawing/2010/main">
+                <a:solidFill>
+                  <a:srgbClr val="FFFFFF"/>
+                </a:solidFill>
+              </a14:hiddenFill>
+            </a:ext>
+          </a:extLst>
+        </p:spPr>
+      </p:pic>
+      <p:pic>
+        <p:nvPicPr>
+          <p:cNvPr id="1028" name="Picture 4" descr="No alternative text description for this image">
+            <a:extLst>
+              <a:ext uri="{FF2B5EF4-FFF2-40B4-BE49-F238E27FC236}">
+                <a16:creationId xmlns:a16="http://schemas.microsoft.com/office/drawing/2014/main" id="{28DCBFA7-9F0D-43F5-99A5-7712637E7A78}"/>
+              </a:ext>
+            </a:extLst>
+          </p:cNvPr>
+          <p:cNvPicPr>
+            <a:picLocks noChangeAspect="1" noChangeArrowheads="1"/>
+          </p:cNvPicPr>
+          <p:nvPr/>
+        </p:nvPicPr>
+        <p:blipFill>
+          <a:blip r:embed="rId3">
+            <a:extLst>
+              <a:ext uri="{28A0092B-C50C-407E-A947-70E740481C1C}">
+                <a14:useLocalDpi xmlns:a14="http://schemas.microsoft.com/office/drawing/2010/main" val="0"/>
+              </a:ext>
+            </a:extLst>
+          </a:blip>
+          <a:srcRect/>
+          <a:stretch>
+            <a:fillRect/>
+          </a:stretch>
+        </p:blipFill>
+        <p:spPr bwMode="auto">
+          <a:xfrm>
+            <a:off x="5603358" y="308889"/>
+            <a:ext cx="5964865" cy="2916415"/>
+          </a:xfrm>
+          <a:prstGeom prst="rect">
+            <a:avLst/>
+          </a:prstGeom>
+          <a:noFill/>
+          <a:extLst>
+            <a:ext uri="{909E8E84-426E-40DD-AFC4-6F175D3DCCD1}">
+              <a14:hiddenFill xmlns:a14="http://schemas.microsoft.com/office/drawing/2010/main">
+                <a:solidFill>
+                  <a:srgbClr val="FFFFFF"/>
+                </a:solidFill>
+              </a14:hiddenFill>
+            </a:ext>
+          </a:extLst>
+        </p:spPr>
+      </p:pic>
+      <p:pic>
+        <p:nvPicPr>
+          <p:cNvPr id="1030" name="Picture 6" descr="No alternative text description for this image">
+            <a:extLst>
+              <a:ext uri="{FF2B5EF4-FFF2-40B4-BE49-F238E27FC236}">
+                <a16:creationId xmlns:a16="http://schemas.microsoft.com/office/drawing/2014/main" id="{F4DB5F1F-A0B4-4E41-92A7-933192A2A4CF}"/>
+              </a:ext>
+            </a:extLst>
+          </p:cNvPr>
+          <p:cNvPicPr>
+            <a:picLocks noChangeAspect="1" noChangeArrowheads="1"/>
+          </p:cNvPicPr>
+          <p:nvPr/>
+        </p:nvPicPr>
+        <p:blipFill>
+          <a:blip r:embed="rId4">
+            <a:extLst>
+              <a:ext uri="{28A0092B-C50C-407E-A947-70E740481C1C}">
+                <a14:useLocalDpi xmlns:a14="http://schemas.microsoft.com/office/drawing/2010/main" val="0"/>
+              </a:ext>
+            </a:extLst>
+          </a:blip>
+          <a:srcRect/>
+          <a:stretch>
+            <a:fillRect/>
+          </a:stretch>
+        </p:blipFill>
+        <p:spPr bwMode="auto">
+          <a:xfrm>
+            <a:off x="3221682" y="1287084"/>
+            <a:ext cx="3883311" cy="5337544"/>
+          </a:xfrm>
+          <a:prstGeom prst="rect">
+            <a:avLst/>
+          </a:prstGeom>
+          <a:noFill/>
+          <a:extLst>
+            <a:ext uri="{909E8E84-426E-40DD-AFC4-6F175D3DCCD1}">
+              <a14:hiddenFill xmlns:a14="http://schemas.microsoft.com/office/drawing/2010/main">
+                <a:solidFill>
+                  <a:srgbClr val="FFFFFF"/>
+                </a:solidFill>
+              </a14:hiddenFill>
+            </a:ext>
+          </a:extLst>
+        </p:spPr>
+      </p:pic>
     </p:spTree>
     <p:extLst>
       <p:ext uri="{BB962C8B-B14F-4D97-AF65-F5344CB8AC3E}">
-        <p14:creationId xmlns:p14="http://schemas.microsoft.com/office/powerpoint/2010/main" val="4205164574"/>
+        <p14:creationId xmlns:p14="http://schemas.microsoft.com/office/powerpoint/2010/main" val="3267860712"/>
       </p:ext>
     </p:extLst>
   </p:cSld>
   <p:clrMapOvr>
     <a:masterClrMapping/>
   </p:clrMapOvr>
+  <p:timing>
+    <p:tnLst>
+      <p:par>
+        <p:cTn id="1" dur="indefinite" restart="never" nodeType="tmRoot">
+          <p:childTnLst>
+            <p:seq concurrent="1" nextAc="seek">
+              <p:cTn id="2" dur="indefinite" nodeType="mainSeq">
+                <p:childTnLst>
+                  <p:par>
+                    <p:cTn id="3" fill="hold">
+                      <p:stCondLst>
+                        <p:cond delay="indefinite"/>
+                      </p:stCondLst>
+                      <p:childTnLst>
+                        <p:par>
+                          <p:cTn id="4" fill="hold">
+                            <p:stCondLst>
+                              <p:cond delay="0"/>
+                            </p:stCondLst>
+                            <p:childTnLst>
+                              <p:par>
+                                <p:cTn id="5" presetID="1" presetClass="entr" presetSubtype="0" fill="hold" nodeType="clickEffect">
+                                  <p:stCondLst>
+                                    <p:cond delay="0"/>
+                                  </p:stCondLst>
+                                  <p:childTnLst>
+                                    <p:set>
+                                      <p:cBhvr>
+                                        <p:cTn id="6" dur="1" fill="hold">
+                                          <p:stCondLst>
+                                            <p:cond delay="0"/>
+                                          </p:stCondLst>
+                                        </p:cTn>
+                                        <p:tgtEl>
+                                          <p:spTgt spid="1026"/>
+                                        </p:tgtEl>
+                                        <p:attrNameLst>
+                                          <p:attrName>style.visibility</p:attrName>
+                                        </p:attrNameLst>
+                                      </p:cBhvr>
+                                      <p:to>
+                                        <p:strVal val="visible"/>
+                                      </p:to>
+                                    </p:set>
+                                  </p:childTnLst>
+                                </p:cTn>
+                              </p:par>
+                            </p:childTnLst>
+                          </p:cTn>
+                        </p:par>
+                      </p:childTnLst>
+                    </p:cTn>
+                  </p:par>
+                  <p:par>
+                    <p:cTn id="7" fill="hold">
+                      <p:stCondLst>
+                        <p:cond delay="indefinite"/>
+                      </p:stCondLst>
+                      <p:childTnLst>
+                        <p:par>
+                          <p:cTn id="8" fill="hold">
+                            <p:stCondLst>
+                              <p:cond delay="0"/>
+                            </p:stCondLst>
+                            <p:childTnLst>
+                              <p:par>
+                                <p:cTn id="9" presetID="1" presetClass="entr" presetSubtype="0" fill="hold" nodeType="clickEffect">
+                                  <p:stCondLst>
+                                    <p:cond delay="0"/>
+                                  </p:stCondLst>
+                                  <p:childTnLst>
+                                    <p:set>
+                                      <p:cBhvr>
+                                        <p:cTn id="10" dur="1" fill="hold">
+                                          <p:stCondLst>
+                                            <p:cond delay="0"/>
+                                          </p:stCondLst>
+                                        </p:cTn>
+                                        <p:tgtEl>
+                                          <p:spTgt spid="1028"/>
+                                        </p:tgtEl>
+                                        <p:attrNameLst>
+                                          <p:attrName>style.visibility</p:attrName>
+                                        </p:attrNameLst>
+                                      </p:cBhvr>
+                                      <p:to>
+                                        <p:strVal val="visible"/>
+                                      </p:to>
+                                    </p:set>
+                                  </p:childTnLst>
+                                </p:cTn>
+                              </p:par>
+                            </p:childTnLst>
+                          </p:cTn>
+                        </p:par>
+                      </p:childTnLst>
+                    </p:cTn>
+                  </p:par>
+                  <p:par>
+                    <p:cTn id="11" fill="hold">
+                      <p:stCondLst>
+                        <p:cond delay="indefinite"/>
+                      </p:stCondLst>
+                      <p:childTnLst>
+                        <p:par>
+                          <p:cTn id="12" fill="hold">
+                            <p:stCondLst>
+                              <p:cond delay="0"/>
+                            </p:stCondLst>
+                            <p:childTnLst>
+                              <p:par>
+                                <p:cTn id="13" presetID="1" presetClass="entr" presetSubtype="0" fill="hold" nodeType="clickEffect">
+                                  <p:stCondLst>
+                                    <p:cond delay="0"/>
+                                  </p:stCondLst>
+                                  <p:childTnLst>
+                                    <p:set>
+                                      <p:cBhvr>
+                                        <p:cTn id="14" dur="1" fill="hold">
+                                          <p:stCondLst>
+                                            <p:cond delay="0"/>
+                                          </p:stCondLst>
+                                        </p:cTn>
+                                        <p:tgtEl>
+                                          <p:spTgt spid="1030"/>
+                                        </p:tgtEl>
+                                        <p:attrNameLst>
+                                          <p:attrName>style.visibility</p:attrName>
+                                        </p:attrNameLst>
+                                      </p:cBhvr>
+                                      <p:to>
+                                        <p:strVal val="visible"/>
+                                      </p:to>
+                                    </p:set>
+                                  </p:childTnLst>
+                                </p:cTn>
+                              </p:par>
+                            </p:childTnLst>
+                          </p:cTn>
+                        </p:par>
+                      </p:childTnLst>
+                    </p:cTn>
+                  </p:par>
+                </p:childTnLst>
+              </p:cTn>
+              <p:prevCondLst>
+                <p:cond evt="onPrev" delay="0">
+                  <p:tgtEl>
+                    <p:sldTgt/>
+                  </p:tgtEl>
+                </p:cond>
+              </p:prevCondLst>
+              <p:nextCondLst>
+                <p:cond evt="onNext" delay="0">
+                  <p:tgtEl>
+                    <p:sldTgt/>
+                  </p:tgtEl>
+                </p:cond>
+              </p:nextCondLst>
+            </p:seq>
+          </p:childTnLst>
+        </p:cTn>
+      </p:par>
+    </p:tnLst>
+  </p:timing>
 </p:sld>
 </file>
 
@@ -6897,7 +7034,7 @@
           <p:cNvPr id="2" name="Title 1">
             <a:extLst>
               <a:ext uri="{FF2B5EF4-FFF2-40B4-BE49-F238E27FC236}">
-                <a16:creationId xmlns:a16="http://schemas.microsoft.com/office/drawing/2014/main" id="{B1CEE9F9-7DA5-46BE-8FD3-98FC7600B400}"/>
+                <a16:creationId xmlns:a16="http://schemas.microsoft.com/office/drawing/2014/main" id="{D59A0DF1-EE6F-4BC2-B54E-1A3A66E7FFA7}"/>
               </a:ext>
             </a:extLst>
           </p:cNvPr>
@@ -6910,7 +7047,7 @@
         </p:nvSpPr>
         <p:spPr>
           <a:xfrm>
-            <a:off x="838200" y="365126"/>
+            <a:off x="838200" y="46149"/>
             <a:ext cx="10515600" cy="1030042"/>
           </a:xfrm>
         </p:spPr>
@@ -6919,64 +7056,153 @@
           <a:lstStyle/>
           <a:p>
             <a:r>
-              <a:rPr lang="en-US"/>
-              <a:t>Thanks To Our Local Sponsor’s </a:t>
+              <a:rPr lang="en-NZ" dirty="0"/>
+              <a:t>Extra Material</a:t>
             </a:r>
             <a:endParaRPr lang="en-US" dirty="0"/>
           </a:p>
         </p:txBody>
       </p:sp>
-      <p:pic>
-        <p:nvPicPr>
-          <p:cNvPr id="1026" name="Picture 2" descr="Image result for Microsoft">
-            <a:extLst>
-              <a:ext uri="{FF2B5EF4-FFF2-40B4-BE49-F238E27FC236}">
-                <a16:creationId xmlns:a16="http://schemas.microsoft.com/office/drawing/2014/main" id="{349CA50D-6F29-447C-8BA3-3EB74E160F4A}"/>
-              </a:ext>
-            </a:extLst>
-          </p:cNvPr>
-          <p:cNvPicPr>
-            <a:picLocks noChangeAspect="1" noChangeArrowheads="1"/>
-          </p:cNvPicPr>
-          <p:nvPr/>
-        </p:nvPicPr>
-        <p:blipFill>
-          <a:blip r:embed="rId3">
-            <a:extLst>
-              <a:ext uri="{28A0092B-C50C-407E-A947-70E740481C1C}">
-                <a14:useLocalDpi xmlns:a14="http://schemas.microsoft.com/office/drawing/2010/main" val="0"/>
-              </a:ext>
-            </a:extLst>
-          </a:blip>
-          <a:srcRect/>
-          <a:stretch>
-            <a:fillRect/>
-          </a:stretch>
-        </p:blipFill>
-        <p:spPr bwMode="auto">
-          <a:xfrm>
-            <a:off x="1768548" y="1270591"/>
-            <a:ext cx="7949609" cy="3974805"/>
-          </a:xfrm>
-          <a:prstGeom prst="rect">
-            <a:avLst/>
-          </a:prstGeom>
-          <a:noFill/>
-          <a:extLst>
-            <a:ext uri="{909E8E84-426E-40DD-AFC4-6F175D3DCCD1}">
-              <a14:hiddenFill xmlns:a14="http://schemas.microsoft.com/office/drawing/2010/main">
-                <a:solidFill>
-                  <a:srgbClr val="FFFFFF"/>
-                </a:solidFill>
-              </a14:hiddenFill>
-            </a:ext>
-          </a:extLst>
-        </p:spPr>
-      </p:pic>
+      <p:sp>
+        <p:nvSpPr>
+          <p:cNvPr id="3" name="Content Placeholder 2">
+            <a:extLst>
+              <a:ext uri="{FF2B5EF4-FFF2-40B4-BE49-F238E27FC236}">
+                <a16:creationId xmlns:a16="http://schemas.microsoft.com/office/drawing/2014/main" id="{27F6E935-135A-40DD-9E41-E27264761937}"/>
+              </a:ext>
+            </a:extLst>
+          </p:cNvPr>
+          <p:cNvSpPr>
+            <a:spLocks noGrp="1"/>
+          </p:cNvSpPr>
+          <p:nvPr>
+            <p:ph idx="1"/>
+          </p:nvPr>
+        </p:nvSpPr>
+        <p:spPr>
+          <a:xfrm>
+            <a:off x="838200" y="1076191"/>
+            <a:ext cx="10515600" cy="5032374"/>
+          </a:xfrm>
+        </p:spPr>
+        <p:txBody>
+          <a:bodyPr>
+            <a:normAutofit/>
+          </a:bodyPr>
+          <a:lstStyle/>
+          <a:p>
+            <a:pPr marL="0" indent="0">
+              <a:buNone/>
+            </a:pPr>
+            <a:r>
+              <a:rPr lang="en-US" sz="2400" b="1" dirty="0">
+                <a:latin typeface="+mj-lt"/>
+              </a:rPr>
+              <a:t>Slides</a:t>
+            </a:r>
+          </a:p>
+          <a:p>
+            <a:pPr marL="0" indent="0">
+              <a:buNone/>
+            </a:pPr>
+            <a:r>
+              <a:rPr lang="en-US" sz="2400" dirty="0">
+                <a:hlinkClick r:id="rId2"/>
+              </a:rPr>
+              <a:t>https://github.com/ramimounla/GlobalPowerPlatformBootcamp</a:t>
+            </a:r>
+            <a:endParaRPr lang="en-US" sz="2400" dirty="0"/>
+          </a:p>
+          <a:p>
+            <a:pPr marL="0" indent="0">
+              <a:buNone/>
+            </a:pPr>
+            <a:endParaRPr lang="en-US" sz="2400" dirty="0"/>
+          </a:p>
+          <a:p>
+            <a:pPr marL="0" indent="0">
+              <a:buNone/>
+            </a:pPr>
+            <a:r>
+              <a:rPr lang="en-US" sz="2400" b="1" dirty="0">
+                <a:latin typeface="+mj-lt"/>
+              </a:rPr>
+              <a:t>Flow in a day</a:t>
+            </a:r>
+          </a:p>
+          <a:p>
+            <a:pPr marL="0" indent="0">
+              <a:buNone/>
+            </a:pPr>
+            <a:r>
+              <a:rPr lang="en-US" sz="2400" dirty="0">
+                <a:hlinkClick r:id="rId3"/>
+              </a:rPr>
+              <a:t>https://github.com/Power-Automate-in-a-day/Basic-Training</a:t>
+            </a:r>
+            <a:endParaRPr lang="en-US" sz="2400" dirty="0"/>
+          </a:p>
+          <a:p>
+            <a:pPr marL="0" indent="0">
+              <a:buNone/>
+            </a:pPr>
+            <a:br>
+              <a:rPr lang="en-US" sz="2400" dirty="0"/>
+            </a:br>
+            <a:r>
+              <a:rPr lang="en-US" sz="2400" b="1" dirty="0">
+                <a:latin typeface="+mj-lt"/>
+              </a:rPr>
+              <a:t>App in a Day</a:t>
+            </a:r>
+          </a:p>
+          <a:p>
+            <a:pPr marL="0" indent="0">
+              <a:buNone/>
+            </a:pPr>
+            <a:r>
+              <a:rPr lang="en-US" sz="2400" dirty="0">
+                <a:hlinkClick r:id="rId4"/>
+              </a:rPr>
+              <a:t>http://aka.ms/appinaday</a:t>
+            </a:r>
+            <a:r>
+              <a:rPr lang="en-US" sz="2400" dirty="0"/>
+              <a:t>  </a:t>
+            </a:r>
+          </a:p>
+          <a:p>
+            <a:pPr marL="0" indent="0">
+              <a:buNone/>
+            </a:pPr>
+            <a:br>
+              <a:rPr lang="en-US" sz="2400" dirty="0"/>
+            </a:br>
+            <a:r>
+              <a:rPr lang="en-US" sz="2400" b="1" dirty="0">
+                <a:latin typeface="+mj-lt"/>
+              </a:rPr>
+              <a:t>Dashboard in a Day</a:t>
+            </a:r>
+          </a:p>
+          <a:p>
+            <a:pPr marL="0" indent="0">
+              <a:buNone/>
+            </a:pPr>
+            <a:r>
+              <a:rPr lang="en-US" sz="2400" dirty="0">
+                <a:hlinkClick r:id="rId5"/>
+              </a:rPr>
+              <a:t>http://aka.ms/diad</a:t>
+            </a:r>
+            <a:endParaRPr lang="en-US" sz="2400" dirty="0"/>
+          </a:p>
+        </p:txBody>
+      </p:sp>
     </p:spTree>
     <p:extLst>
       <p:ext uri="{BB962C8B-B14F-4D97-AF65-F5344CB8AC3E}">
-        <p14:creationId xmlns:p14="http://schemas.microsoft.com/office/powerpoint/2010/main" val="2596728889"/>
+        <p14:creationId xmlns:p14="http://schemas.microsoft.com/office/powerpoint/2010/main" val="4205164574"/>
       </p:ext>
     </p:extLst>
   </p:cSld>
@@ -7008,6 +7234,117 @@
           <p:cNvPr id="2" name="Title 1">
             <a:extLst>
               <a:ext uri="{FF2B5EF4-FFF2-40B4-BE49-F238E27FC236}">
+                <a16:creationId xmlns:a16="http://schemas.microsoft.com/office/drawing/2014/main" id="{B1CEE9F9-7DA5-46BE-8FD3-98FC7600B400}"/>
+              </a:ext>
+            </a:extLst>
+          </p:cNvPr>
+          <p:cNvSpPr>
+            <a:spLocks noGrp="1"/>
+          </p:cNvSpPr>
+          <p:nvPr>
+            <p:ph type="title"/>
+          </p:nvPr>
+        </p:nvSpPr>
+        <p:spPr>
+          <a:xfrm>
+            <a:off x="838200" y="365126"/>
+            <a:ext cx="10515600" cy="1030042"/>
+          </a:xfrm>
+        </p:spPr>
+        <p:txBody>
+          <a:bodyPr/>
+          <a:lstStyle/>
+          <a:p>
+            <a:r>
+              <a:rPr lang="en-US"/>
+              <a:t>Thanks To Our Local Sponsor’s </a:t>
+            </a:r>
+            <a:endParaRPr lang="en-US" dirty="0"/>
+          </a:p>
+        </p:txBody>
+      </p:sp>
+      <p:pic>
+        <p:nvPicPr>
+          <p:cNvPr id="1026" name="Picture 2" descr="Image result for Microsoft">
+            <a:extLst>
+              <a:ext uri="{FF2B5EF4-FFF2-40B4-BE49-F238E27FC236}">
+                <a16:creationId xmlns:a16="http://schemas.microsoft.com/office/drawing/2014/main" id="{349CA50D-6F29-447C-8BA3-3EB74E160F4A}"/>
+              </a:ext>
+            </a:extLst>
+          </p:cNvPr>
+          <p:cNvPicPr>
+            <a:picLocks noChangeAspect="1" noChangeArrowheads="1"/>
+          </p:cNvPicPr>
+          <p:nvPr/>
+        </p:nvPicPr>
+        <p:blipFill>
+          <a:blip r:embed="rId3">
+            <a:extLst>
+              <a:ext uri="{28A0092B-C50C-407E-A947-70E740481C1C}">
+                <a14:useLocalDpi xmlns:a14="http://schemas.microsoft.com/office/drawing/2010/main" val="0"/>
+              </a:ext>
+            </a:extLst>
+          </a:blip>
+          <a:srcRect/>
+          <a:stretch>
+            <a:fillRect/>
+          </a:stretch>
+        </p:blipFill>
+        <p:spPr bwMode="auto">
+          <a:xfrm>
+            <a:off x="1768548" y="1270591"/>
+            <a:ext cx="7949609" cy="3974805"/>
+          </a:xfrm>
+          <a:prstGeom prst="rect">
+            <a:avLst/>
+          </a:prstGeom>
+          <a:noFill/>
+          <a:extLst>
+            <a:ext uri="{909E8E84-426E-40DD-AFC4-6F175D3DCCD1}">
+              <a14:hiddenFill xmlns:a14="http://schemas.microsoft.com/office/drawing/2010/main">
+                <a:solidFill>
+                  <a:srgbClr val="FFFFFF"/>
+                </a:solidFill>
+              </a14:hiddenFill>
+            </a:ext>
+          </a:extLst>
+        </p:spPr>
+      </p:pic>
+    </p:spTree>
+    <p:extLst>
+      <p:ext uri="{BB962C8B-B14F-4D97-AF65-F5344CB8AC3E}">
+        <p14:creationId xmlns:p14="http://schemas.microsoft.com/office/powerpoint/2010/main" val="2596728889"/>
+      </p:ext>
+    </p:extLst>
+  </p:cSld>
+  <p:clrMapOvr>
+    <a:masterClrMapping/>
+  </p:clrMapOvr>
+</p:sld>
+</file>
+
+<file path=ppt/slides/slide5.xml><?xml version="1.0" encoding="utf-8"?>
+<p:sld xmlns:a="http://schemas.openxmlformats.org/drawingml/2006/main" xmlns:r="http://schemas.openxmlformats.org/officeDocument/2006/relationships" xmlns:p="http://schemas.openxmlformats.org/presentationml/2006/main">
+  <p:cSld>
+    <p:spTree>
+      <p:nvGrpSpPr>
+        <p:cNvPr id="1" name=""/>
+        <p:cNvGrpSpPr/>
+        <p:nvPr/>
+      </p:nvGrpSpPr>
+      <p:grpSpPr>
+        <a:xfrm>
+          <a:off x="0" y="0"/>
+          <a:ext cx="0" cy="0"/>
+          <a:chOff x="0" y="0"/>
+          <a:chExt cx="0" cy="0"/>
+        </a:xfrm>
+      </p:grpSpPr>
+      <p:sp>
+        <p:nvSpPr>
+          <p:cNvPr id="2" name="Title 1">
+            <a:extLst>
+              <a:ext uri="{FF2B5EF4-FFF2-40B4-BE49-F238E27FC236}">
                 <a16:creationId xmlns:a16="http://schemas.microsoft.com/office/drawing/2014/main" id="{7DA28E90-F41E-4BB8-B455-42B2E4E46BC3}"/>
               </a:ext>
             </a:extLst>
@@ -7149,7 +7486,7 @@
 </p:sld>
 </file>
 
-<file path=ppt/slides/slide5.xml><?xml version="1.0" encoding="utf-8"?>
+<file path=ppt/slides/slide6.xml><?xml version="1.0" encoding="utf-8"?>
 <p:sld xmlns:a="http://schemas.openxmlformats.org/drawingml/2006/main" xmlns:r="http://schemas.openxmlformats.org/officeDocument/2006/relationships" xmlns:p="http://schemas.openxmlformats.org/presentationml/2006/main">
   <p:cSld>
     <p:spTree>
@@ -7710,18 +8047,18 @@
 </file>
 
 <file path=customXml/item1.xml><?xml version="1.0" encoding="utf-8"?>
-<p:properties xmlns:p="http://schemas.microsoft.com/office/2006/metadata/properties" xmlns:xsi="http://www.w3.org/2001/XMLSchema-instance" xmlns:pc="http://schemas.microsoft.com/office/infopath/2007/PartnerControls">
-  <documentManagement/>
-</p:properties>
-</file>
-
-<file path=customXml/item2.xml><?xml version="1.0" encoding="utf-8"?>
 <?mso-contentType ?>
 <FormTemplates xmlns="http://schemas.microsoft.com/sharepoint/v3/contenttype/forms">
   <Display>DocumentLibraryForm</Display>
   <Edit>DocumentLibraryForm</Edit>
   <New>DocumentLibraryForm</New>
 </FormTemplates>
+</file>
+
+<file path=customXml/item2.xml><?xml version="1.0" encoding="utf-8"?>
+<p:properties xmlns:p="http://schemas.microsoft.com/office/2006/metadata/properties" xmlns:xsi="http://www.w3.org/2001/XMLSchema-instance" xmlns:pc="http://schemas.microsoft.com/office/infopath/2007/PartnerControls">
+  <documentManagement/>
+</p:properties>
 </file>
 
 <file path=customXml/item3.xml><?xml version="1.0" encoding="utf-8"?>
@@ -7962,6 +8299,14 @@
 </file>
 
 <file path=customXml/itemProps1.xml><?xml version="1.0" encoding="utf-8"?>
+<ds:datastoreItem xmlns:ds="http://schemas.openxmlformats.org/officeDocument/2006/customXml" ds:itemID="{F011BBF7-1CE1-4050-9514-DB9AE0D56D7F}">
+  <ds:schemaRefs>
+    <ds:schemaRef ds:uri="http://schemas.microsoft.com/sharepoint/v3/contenttype/forms"/>
+  </ds:schemaRefs>
+</ds:datastoreItem>
+</file>
+
+<file path=customXml/itemProps2.xml><?xml version="1.0" encoding="utf-8"?>
 <ds:datastoreItem xmlns:ds="http://schemas.openxmlformats.org/officeDocument/2006/customXml" ds:itemID="{C4BD89D9-7255-4D5A-82E5-E966CAEE4330}">
   <ds:schemaRefs>
     <ds:schemaRef ds:uri="http://purl.org/dc/elements/1.1/"/>
@@ -7974,14 +8319,6 @@
     <ds:schemaRef ds:uri="http://schemas.microsoft.com/office/2006/metadata/properties"/>
     <ds:schemaRef ds:uri="http://schemas.microsoft.com/office/infopath/2007/PartnerControls"/>
     <ds:schemaRef ds:uri="http://www.w3.org/XML/1998/namespace"/>
-  </ds:schemaRefs>
-</ds:datastoreItem>
-</file>
-
-<file path=customXml/itemProps2.xml><?xml version="1.0" encoding="utf-8"?>
-<ds:datastoreItem xmlns:ds="http://schemas.openxmlformats.org/officeDocument/2006/customXml" ds:itemID="{F011BBF7-1CE1-4050-9514-DB9AE0D56D7F}">
-  <ds:schemaRefs>
-    <ds:schemaRef ds:uri="http://schemas.microsoft.com/sharepoint/v3/contenttype/forms"/>
   </ds:schemaRefs>
 </ds:datastoreItem>
 </file>
